--- a/화면구성/to최원석부장님/10. 태양광 잠재량/태양광 잠재량_화면구성.pptx
+++ b/화면구성/to최원석부장님/10. 태양광 잠재량/태양광 잠재량_화면구성.pptx
@@ -210,7 +210,7 @@
           <a:p>
             <a:fld id="{C2B9CFB0-BCA9-4570-BBC6-9C2684F7EA69}" type="datetimeFigureOut">
               <a:rPr lang="ko-KR" altLang="en-US" smtClean="0"/>
-              <a:t>2025-03-06</a:t>
+              <a:t>2025-03-17</a:t>
             </a:fld>
             <a:endParaRPr lang="ko-KR" altLang="en-US"/>
           </a:p>
@@ -375,7 +375,7 @@
           <a:p>
             <a:fld id="{BE23F86A-8152-4198-942A-719B9DB78762}" type="datetimeFigureOut">
               <a:rPr lang="ko-KR" altLang="en-US" smtClean="0"/>
-              <a:t>2025-03-06</a:t>
+              <a:t>2025-03-17</a:t>
             </a:fld>
             <a:endParaRPr lang="ko-KR" altLang="en-US"/>
           </a:p>
@@ -2716,55 +2716,6 @@
           </a:prstGeom>
         </p:spPr>
       </p:pic>
-      <p:sp>
-        <p:nvSpPr>
-          <p:cNvPr id="23" name="TextBox 22">
-            <a:extLst>
-              <a:ext uri="{FF2B5EF4-FFF2-40B4-BE49-F238E27FC236}">
-                <a16:creationId xmlns:a16="http://schemas.microsoft.com/office/drawing/2014/main" id="{51A239CA-98FE-8BF2-1F26-DFAED6FC8391}"/>
-              </a:ext>
-            </a:extLst>
-          </p:cNvPr>
-          <p:cNvSpPr txBox="1"/>
-          <p:nvPr/>
-        </p:nvSpPr>
-        <p:spPr>
-          <a:xfrm>
-            <a:off x="661266" y="3198956"/>
-            <a:ext cx="2415326" cy="600164"/>
-          </a:xfrm>
-          <a:prstGeom prst="rect">
-            <a:avLst/>
-          </a:prstGeom>
-          <a:noFill/>
-        </p:spPr>
-        <p:txBody>
-          <a:bodyPr wrap="square">
-            <a:spAutoFit/>
-          </a:bodyPr>
-          <a:lstStyle/>
-          <a:p>
-            <a:pPr algn="ctr"/>
-            <a:r>
-              <a:rPr lang="ko-KR" altLang="en-US" sz="1100" dirty="0"/>
-              <a:t>지표면에 도달하는 태양광 에너지를 </a:t>
-            </a:r>
-            <a:r>
-              <a:rPr lang="ko-KR" altLang="en-US" sz="1100" u="sng" dirty="0"/>
-              <a:t>어떠한 제약 없이 </a:t>
-            </a:r>
-            <a:endParaRPr lang="en-US" altLang="ko-KR" sz="1100" u="sng" dirty="0"/>
-          </a:p>
-          <a:p>
-            <a:pPr algn="ctr"/>
-            <a:r>
-              <a:rPr lang="ko-KR" altLang="en-US" sz="1100" dirty="0"/>
-              <a:t>모두 활용할 때의 에너지 양</a:t>
-            </a:r>
-            <a:endParaRPr lang="en-US" altLang="ko-KR" sz="1100" dirty="0"/>
-          </a:p>
-        </p:txBody>
-      </p:sp>
       <p:pic>
         <p:nvPicPr>
           <p:cNvPr id="28" name="그래픽 27" descr="길 윤곽선">
@@ -3323,114 +3274,6 @@
       </p:sp>
       <p:sp>
         <p:nvSpPr>
-          <p:cNvPr id="50" name="TextBox 49">
-            <a:extLst>
-              <a:ext uri="{FF2B5EF4-FFF2-40B4-BE49-F238E27FC236}">
-                <a16:creationId xmlns:a16="http://schemas.microsoft.com/office/drawing/2014/main" id="{926D2CC4-6E32-DD1C-C938-C8FE9FD33D42}"/>
-              </a:ext>
-            </a:extLst>
-          </p:cNvPr>
-          <p:cNvSpPr txBox="1"/>
-          <p:nvPr/>
-        </p:nvSpPr>
-        <p:spPr>
-          <a:xfrm>
-            <a:off x="3422885" y="3198956"/>
-            <a:ext cx="2556871" cy="600164"/>
-          </a:xfrm>
-          <a:prstGeom prst="rect">
-            <a:avLst/>
-          </a:prstGeom>
-          <a:noFill/>
-        </p:spPr>
-        <p:txBody>
-          <a:bodyPr wrap="square">
-            <a:spAutoFit/>
-          </a:bodyPr>
-          <a:lstStyle/>
-          <a:p>
-            <a:pPr algn="ctr"/>
-            <a:r>
-              <a:rPr lang="ko-KR" altLang="en-US" sz="1100" u="sng" dirty="0"/>
-              <a:t>기술적 제약</a:t>
-            </a:r>
-            <a:r>
-              <a:rPr lang="ko-KR" altLang="en-US" sz="1100" dirty="0"/>
-              <a:t> </a:t>
-            </a:r>
-            <a:r>
-              <a:rPr lang="en-US" altLang="ko-KR" sz="1100" dirty="0"/>
-              <a:t>(</a:t>
-            </a:r>
-            <a:r>
-              <a:rPr lang="ko-KR" altLang="en-US" sz="1100" dirty="0"/>
-              <a:t>예</a:t>
-            </a:r>
-            <a:r>
-              <a:rPr lang="en-US" altLang="ko-KR" sz="1100" dirty="0"/>
-              <a:t>: </a:t>
-            </a:r>
-            <a:r>
-              <a:rPr lang="ko-KR" altLang="en-US" sz="1100" dirty="0"/>
-              <a:t>태양광의 설비효율</a:t>
-            </a:r>
-            <a:r>
-              <a:rPr lang="en-US" altLang="ko-KR" sz="1100" dirty="0"/>
-              <a:t>)</a:t>
-            </a:r>
-            <a:r>
-              <a:rPr lang="ko-KR" altLang="en-US" sz="1100" dirty="0"/>
-              <a:t>과</a:t>
-            </a:r>
-            <a:endParaRPr lang="en-US" altLang="ko-KR" sz="1100" dirty="0"/>
-          </a:p>
-          <a:p>
-            <a:pPr algn="ctr"/>
-            <a:r>
-              <a:rPr lang="ko-KR" altLang="en-US" sz="1100" u="sng" dirty="0"/>
-              <a:t>지리적 제약</a:t>
-            </a:r>
-            <a:r>
-              <a:rPr lang="ko-KR" altLang="en-US" sz="1100" dirty="0"/>
-              <a:t> </a:t>
-            </a:r>
-            <a:r>
-              <a:rPr lang="en-US" altLang="ko-KR" sz="1100" dirty="0"/>
-              <a:t>(</a:t>
-            </a:r>
-            <a:r>
-              <a:rPr lang="ko-KR" altLang="en-US" sz="1100" dirty="0"/>
-              <a:t>예</a:t>
-            </a:r>
-            <a:r>
-              <a:rPr lang="en-US" altLang="ko-KR" sz="1100" dirty="0"/>
-              <a:t>: </a:t>
-            </a:r>
-            <a:r>
-              <a:rPr lang="ko-KR" altLang="en-US" sz="1100" dirty="0"/>
-              <a:t>급경사지</a:t>
-            </a:r>
-            <a:r>
-              <a:rPr lang="en-US" altLang="ko-KR" sz="1100" dirty="0"/>
-              <a:t>)</a:t>
-            </a:r>
-          </a:p>
-          <a:p>
-            <a:pPr algn="ctr"/>
-            <a:r>
-              <a:rPr lang="ko-KR" altLang="en-US" sz="1100" dirty="0"/>
-              <a:t>을 반영할 때의 </a:t>
-            </a:r>
-            <a:r>
-              <a:rPr lang="ko-KR" altLang="en-US" sz="1100" dirty="0" err="1"/>
-              <a:t>잠재량</a:t>
-            </a:r>
-            <a:endParaRPr lang="en-US" altLang="ko-KR" sz="1100" dirty="0"/>
-          </a:p>
-        </p:txBody>
-      </p:sp>
-      <p:sp>
-        <p:nvSpPr>
           <p:cNvPr id="51" name="TextBox 50">
             <a:extLst>
               <a:ext uri="{FF2B5EF4-FFF2-40B4-BE49-F238E27FC236}">
@@ -3810,7 +3653,7 @@
         </p:blipFill>
         <p:spPr>
           <a:xfrm>
-            <a:off x="10087321" y="2635231"/>
+            <a:off x="9952821" y="914554"/>
             <a:ext cx="591006" cy="591006"/>
           </a:xfrm>
           <a:prstGeom prst="rect">
@@ -3916,109 +3759,6 @@
       </p:pic>
       <p:sp>
         <p:nvSpPr>
-          <p:cNvPr id="69" name="TextBox 68">
-            <a:extLst>
-              <a:ext uri="{FF2B5EF4-FFF2-40B4-BE49-F238E27FC236}">
-                <a16:creationId xmlns:a16="http://schemas.microsoft.com/office/drawing/2014/main" id="{3B4ED811-442F-A625-97CE-F3C1DBEA7CFA}"/>
-              </a:ext>
-            </a:extLst>
-          </p:cNvPr>
-          <p:cNvSpPr txBox="1"/>
-          <p:nvPr/>
-        </p:nvSpPr>
-        <p:spPr>
-          <a:xfrm>
-            <a:off x="6326049" y="3198956"/>
-            <a:ext cx="2556871" cy="600164"/>
-          </a:xfrm>
-          <a:prstGeom prst="rect">
-            <a:avLst/>
-          </a:prstGeom>
-          <a:noFill/>
-        </p:spPr>
-        <p:txBody>
-          <a:bodyPr wrap="square">
-            <a:spAutoFit/>
-          </a:bodyPr>
-          <a:lstStyle/>
-          <a:p>
-            <a:pPr algn="ctr"/>
-            <a:r>
-              <a:rPr lang="ko-KR" altLang="en-US" sz="1100" u="sng" dirty="0"/>
-              <a:t>경제적 제약</a:t>
-            </a:r>
-            <a:r>
-              <a:rPr lang="ko-KR" altLang="en-US" sz="1100" dirty="0"/>
-              <a:t> </a:t>
-            </a:r>
-            <a:r>
-              <a:rPr lang="en-US" altLang="ko-KR" sz="1100" dirty="0"/>
-              <a:t>(</a:t>
-            </a:r>
-            <a:r>
-              <a:rPr lang="ko-KR" altLang="en-US" sz="1100" dirty="0"/>
-              <a:t>예</a:t>
-            </a:r>
-            <a:r>
-              <a:rPr lang="en-US" altLang="ko-KR" sz="1100" dirty="0"/>
-              <a:t>: </a:t>
-            </a:r>
-            <a:r>
-              <a:rPr lang="ko-KR" altLang="en-US" sz="1100" dirty="0"/>
-              <a:t>비용 경쟁력</a:t>
-            </a:r>
-            <a:r>
-              <a:rPr lang="en-US" altLang="ko-KR" sz="1100" dirty="0"/>
-              <a:t>),</a:t>
-            </a:r>
-          </a:p>
-          <a:p>
-            <a:pPr algn="ctr"/>
-            <a:r>
-              <a:rPr lang="ko-KR" altLang="en-US" sz="1100" u="sng" dirty="0"/>
-              <a:t>정책적 제약</a:t>
-            </a:r>
-            <a:r>
-              <a:rPr lang="ko-KR" altLang="en-US" sz="1100" dirty="0"/>
-              <a:t> </a:t>
-            </a:r>
-            <a:r>
-              <a:rPr lang="en-US" altLang="ko-KR" sz="1100" dirty="0"/>
-              <a:t>(</a:t>
-            </a:r>
-            <a:r>
-              <a:rPr lang="ko-KR" altLang="en-US" sz="1100" dirty="0"/>
-              <a:t>예</a:t>
-            </a:r>
-            <a:r>
-              <a:rPr lang="en-US" altLang="ko-KR" sz="1100" dirty="0"/>
-              <a:t>: </a:t>
-            </a:r>
-            <a:r>
-              <a:rPr lang="ko-KR" altLang="en-US" sz="1100" dirty="0"/>
-              <a:t>개발불가 지역</a:t>
-            </a:r>
-            <a:r>
-              <a:rPr lang="en-US" altLang="ko-KR" sz="1100" dirty="0"/>
-              <a:t>)</a:t>
-            </a:r>
-          </a:p>
-          <a:p>
-            <a:pPr algn="ctr"/>
-            <a:r>
-              <a:rPr lang="ko-KR" altLang="en-US" sz="1100" dirty="0"/>
-              <a:t>을 반영할 때의 </a:t>
-            </a:r>
-            <a:r>
-              <a:rPr lang="ko-KR" altLang="en-US" sz="1100" dirty="0" err="1"/>
-              <a:t>잠재량</a:t>
-            </a:r>
-            <a:endParaRPr lang="en-US" altLang="ko-KR" sz="1100" dirty="0"/>
-          </a:p>
-        </p:txBody>
-      </p:sp>
-      <p:sp>
-        <p:nvSpPr>
           <p:cNvPr id="70" name="TextBox 69">
             <a:extLst>
               <a:ext uri="{FF2B5EF4-FFF2-40B4-BE49-F238E27FC236}">
@@ -4662,6 +4402,1446 @@
           <a:xfrm>
             <a:off x="2220222" y="2258444"/>
             <a:ext cx="309709" cy="309709"/>
+          </a:xfrm>
+          <a:prstGeom prst="rect">
+            <a:avLst/>
+          </a:prstGeom>
+        </p:spPr>
+      </p:pic>
+      <p:sp>
+        <p:nvSpPr>
+          <p:cNvPr id="11" name="사각형: 둥근 모서리 10">
+            <a:extLst>
+              <a:ext uri="{FF2B5EF4-FFF2-40B4-BE49-F238E27FC236}">
+                <a16:creationId xmlns:a16="http://schemas.microsoft.com/office/drawing/2014/main" id="{A9D02297-1D19-8B3A-95CF-E74609E2F31B}"/>
+              </a:ext>
+            </a:extLst>
+          </p:cNvPr>
+          <p:cNvSpPr/>
+          <p:nvPr/>
+        </p:nvSpPr>
+        <p:spPr>
+          <a:xfrm>
+            <a:off x="5205501" y="1083066"/>
+            <a:ext cx="488067" cy="157564"/>
+          </a:xfrm>
+          <a:prstGeom prst="roundRect">
+            <a:avLst/>
+          </a:prstGeom>
+          <a:noFill/>
+          <a:ln w="19050">
+            <a:prstDash val="sysDot"/>
+          </a:ln>
+        </p:spPr>
+        <p:style>
+          <a:lnRef idx="2">
+            <a:schemeClr val="accent1">
+              <a:shade val="15000"/>
+            </a:schemeClr>
+          </a:lnRef>
+          <a:fillRef idx="1">
+            <a:schemeClr val="accent1"/>
+          </a:fillRef>
+          <a:effectRef idx="0">
+            <a:schemeClr val="accent1"/>
+          </a:effectRef>
+          <a:fontRef idx="minor">
+            <a:schemeClr val="lt1"/>
+          </a:fontRef>
+        </p:style>
+        <p:txBody>
+          <a:bodyPr rtlCol="0" anchor="ctr"/>
+          <a:lstStyle/>
+          <a:p>
+            <a:pPr algn="ctr"/>
+            <a:endParaRPr lang="ko-KR" altLang="en-US"/>
+          </a:p>
+        </p:txBody>
+      </p:sp>
+      <p:sp>
+        <p:nvSpPr>
+          <p:cNvPr id="65" name="말풍선: 모서리가 둥근 사각형 64">
+            <a:extLst>
+              <a:ext uri="{FF2B5EF4-FFF2-40B4-BE49-F238E27FC236}">
+                <a16:creationId xmlns:a16="http://schemas.microsoft.com/office/drawing/2014/main" id="{C18FEA03-17C7-DD0C-A017-4CF90D450FDF}"/>
+              </a:ext>
+            </a:extLst>
+          </p:cNvPr>
+          <p:cNvSpPr/>
+          <p:nvPr/>
+        </p:nvSpPr>
+        <p:spPr>
+          <a:xfrm>
+            <a:off x="4765319" y="520268"/>
+            <a:ext cx="1375295" cy="447111"/>
+          </a:xfrm>
+          <a:prstGeom prst="wedgeRoundRectCallout">
+            <a:avLst>
+              <a:gd name="adj1" fmla="val -16378"/>
+              <a:gd name="adj2" fmla="val 76536"/>
+              <a:gd name="adj3" fmla="val 16667"/>
+            </a:avLst>
+          </a:prstGeom>
+          <a:noFill/>
+        </p:spPr>
+        <p:style>
+          <a:lnRef idx="2">
+            <a:schemeClr val="accent1">
+              <a:shade val="15000"/>
+            </a:schemeClr>
+          </a:lnRef>
+          <a:fillRef idx="1">
+            <a:schemeClr val="accent1"/>
+          </a:fillRef>
+          <a:effectRef idx="0">
+            <a:schemeClr val="accent1"/>
+          </a:effectRef>
+          <a:fontRef idx="minor">
+            <a:schemeClr val="lt1"/>
+          </a:fontRef>
+        </p:style>
+        <p:txBody>
+          <a:bodyPr rtlCol="0" anchor="ctr"/>
+          <a:lstStyle/>
+          <a:p>
+            <a:pPr algn="ctr"/>
+            <a:r>
+              <a:rPr lang="ko-KR" altLang="en-US" sz="600" dirty="0">
+                <a:solidFill>
+                  <a:schemeClr val="tx1"/>
+                </a:solidFill>
+              </a:rPr>
+              <a:t>모든 곳에 설치할 수 있는 건 </a:t>
+            </a:r>
+            <a:r>
+              <a:rPr lang="ko-KR" altLang="en-US" sz="600" dirty="0" err="1">
+                <a:solidFill>
+                  <a:schemeClr val="tx1"/>
+                </a:solidFill>
+              </a:rPr>
+              <a:t>아니에요</a:t>
+            </a:r>
+            <a:r>
+              <a:rPr lang="en-US" altLang="ko-KR" sz="600" dirty="0">
+                <a:solidFill>
+                  <a:schemeClr val="tx1"/>
+                </a:solidFill>
+              </a:rPr>
+              <a:t>. </a:t>
+            </a:r>
+            <a:r>
+              <a:rPr lang="ko-KR" altLang="en-US" sz="600" dirty="0">
+                <a:solidFill>
+                  <a:schemeClr val="tx1"/>
+                </a:solidFill>
+              </a:rPr>
+              <a:t>급경사지</a:t>
+            </a:r>
+            <a:r>
+              <a:rPr lang="en-US" altLang="ko-KR" sz="600" dirty="0">
+                <a:solidFill>
+                  <a:schemeClr val="tx1"/>
+                </a:solidFill>
+              </a:rPr>
+              <a:t> </a:t>
+            </a:r>
+            <a:r>
+              <a:rPr lang="ko-KR" altLang="en-US" sz="600" dirty="0">
+                <a:solidFill>
+                  <a:schemeClr val="tx1"/>
+                </a:solidFill>
+              </a:rPr>
+              <a:t>처럼</a:t>
+            </a:r>
+            <a:r>
+              <a:rPr lang="en-US" altLang="ko-KR" sz="600" dirty="0">
+                <a:solidFill>
+                  <a:schemeClr val="tx1"/>
+                </a:solidFill>
+              </a:rPr>
+              <a:t> </a:t>
+            </a:r>
+            <a:r>
+              <a:rPr lang="ko-KR" altLang="en-US" sz="600" dirty="0">
+                <a:solidFill>
+                  <a:schemeClr val="tx1"/>
+                </a:solidFill>
+              </a:rPr>
+              <a:t>패널을 설치하기 어려운 지역도 있어요</a:t>
+            </a:r>
+            <a:r>
+              <a:rPr lang="en-US" altLang="ko-KR" sz="600" dirty="0">
+                <a:solidFill>
+                  <a:schemeClr val="tx1"/>
+                </a:solidFill>
+              </a:rPr>
+              <a:t>.</a:t>
+            </a:r>
+            <a:endParaRPr lang="ko-KR" altLang="en-US" dirty="0">
+              <a:solidFill>
+                <a:schemeClr val="tx1"/>
+              </a:solidFill>
+            </a:endParaRPr>
+          </a:p>
+        </p:txBody>
+      </p:sp>
+      <p:sp>
+        <p:nvSpPr>
+          <p:cNvPr id="79" name="TextBox 78">
+            <a:extLst>
+              <a:ext uri="{FF2B5EF4-FFF2-40B4-BE49-F238E27FC236}">
+                <a16:creationId xmlns:a16="http://schemas.microsoft.com/office/drawing/2014/main" id="{83842FDA-56E4-7103-3FE0-3AE1EFF25A76}"/>
+              </a:ext>
+            </a:extLst>
+          </p:cNvPr>
+          <p:cNvSpPr txBox="1"/>
+          <p:nvPr/>
+        </p:nvSpPr>
+        <p:spPr>
+          <a:xfrm>
+            <a:off x="661266" y="3281027"/>
+            <a:ext cx="2415326" cy="600164"/>
+          </a:xfrm>
+          <a:prstGeom prst="rect">
+            <a:avLst/>
+          </a:prstGeom>
+          <a:noFill/>
+        </p:spPr>
+        <p:txBody>
+          <a:bodyPr wrap="square">
+            <a:spAutoFit/>
+          </a:bodyPr>
+          <a:lstStyle/>
+          <a:p>
+            <a:pPr algn="ctr"/>
+            <a:r>
+              <a:rPr lang="ko-KR" altLang="en-US" sz="1100" dirty="0"/>
+              <a:t>지표면에 도달하는 태양광 에너지를 </a:t>
+            </a:r>
+            <a:r>
+              <a:rPr lang="ko-KR" altLang="en-US" sz="1100" u="sng" dirty="0"/>
+              <a:t>어떠한 제약 없이 </a:t>
+            </a:r>
+            <a:endParaRPr lang="en-US" altLang="ko-KR" sz="1100" u="sng" dirty="0"/>
+          </a:p>
+          <a:p>
+            <a:pPr algn="ctr"/>
+            <a:r>
+              <a:rPr lang="ko-KR" altLang="en-US" sz="1100" dirty="0"/>
+              <a:t>모두 활용할 때의 에너지 양</a:t>
+            </a:r>
+            <a:endParaRPr lang="en-US" altLang="ko-KR" sz="1100" dirty="0"/>
+          </a:p>
+        </p:txBody>
+      </p:sp>
+      <p:sp>
+        <p:nvSpPr>
+          <p:cNvPr id="80" name="TextBox 79">
+            <a:extLst>
+              <a:ext uri="{FF2B5EF4-FFF2-40B4-BE49-F238E27FC236}">
+                <a16:creationId xmlns:a16="http://schemas.microsoft.com/office/drawing/2014/main" id="{CFFFE385-A52F-27CD-6CD9-1DC1848175F7}"/>
+              </a:ext>
+            </a:extLst>
+          </p:cNvPr>
+          <p:cNvSpPr txBox="1"/>
+          <p:nvPr/>
+        </p:nvSpPr>
+        <p:spPr>
+          <a:xfrm>
+            <a:off x="3422885" y="3281027"/>
+            <a:ext cx="2556871" cy="600164"/>
+          </a:xfrm>
+          <a:prstGeom prst="rect">
+            <a:avLst/>
+          </a:prstGeom>
+          <a:noFill/>
+        </p:spPr>
+        <p:txBody>
+          <a:bodyPr wrap="square">
+            <a:spAutoFit/>
+          </a:bodyPr>
+          <a:lstStyle/>
+          <a:p>
+            <a:pPr algn="ctr"/>
+            <a:r>
+              <a:rPr lang="ko-KR" altLang="en-US" sz="1100" u="sng" dirty="0"/>
+              <a:t>기술적 제약</a:t>
+            </a:r>
+            <a:r>
+              <a:rPr lang="ko-KR" altLang="en-US" sz="1100" dirty="0"/>
+              <a:t> </a:t>
+            </a:r>
+            <a:r>
+              <a:rPr lang="en-US" altLang="ko-KR" sz="1100" dirty="0"/>
+              <a:t>(</a:t>
+            </a:r>
+            <a:r>
+              <a:rPr lang="ko-KR" altLang="en-US" sz="1100" dirty="0"/>
+              <a:t>예</a:t>
+            </a:r>
+            <a:r>
+              <a:rPr lang="en-US" altLang="ko-KR" sz="1100" dirty="0"/>
+              <a:t>: </a:t>
+            </a:r>
+            <a:r>
+              <a:rPr lang="ko-KR" altLang="en-US" sz="1100" dirty="0"/>
+              <a:t>태양광의 설비효율</a:t>
+            </a:r>
+            <a:r>
+              <a:rPr lang="en-US" altLang="ko-KR" sz="1100" dirty="0"/>
+              <a:t>)</a:t>
+            </a:r>
+            <a:r>
+              <a:rPr lang="ko-KR" altLang="en-US" sz="1100" dirty="0"/>
+              <a:t>과</a:t>
+            </a:r>
+            <a:endParaRPr lang="en-US" altLang="ko-KR" sz="1100" dirty="0"/>
+          </a:p>
+          <a:p>
+            <a:pPr algn="ctr"/>
+            <a:r>
+              <a:rPr lang="ko-KR" altLang="en-US" sz="1100" u="sng" dirty="0"/>
+              <a:t>지리적 제약</a:t>
+            </a:r>
+            <a:r>
+              <a:rPr lang="ko-KR" altLang="en-US" sz="1100" dirty="0"/>
+              <a:t> </a:t>
+            </a:r>
+            <a:r>
+              <a:rPr lang="en-US" altLang="ko-KR" sz="1100" dirty="0"/>
+              <a:t>(</a:t>
+            </a:r>
+            <a:r>
+              <a:rPr lang="ko-KR" altLang="en-US" sz="1100" dirty="0"/>
+              <a:t>예</a:t>
+            </a:r>
+            <a:r>
+              <a:rPr lang="en-US" altLang="ko-KR" sz="1100" dirty="0"/>
+              <a:t>: </a:t>
+            </a:r>
+            <a:r>
+              <a:rPr lang="ko-KR" altLang="en-US" sz="1100" dirty="0"/>
+              <a:t>급경사지</a:t>
+            </a:r>
+            <a:r>
+              <a:rPr lang="en-US" altLang="ko-KR" sz="1100" dirty="0"/>
+              <a:t>)</a:t>
+            </a:r>
+          </a:p>
+          <a:p>
+            <a:pPr algn="ctr"/>
+            <a:r>
+              <a:rPr lang="ko-KR" altLang="en-US" sz="1100" dirty="0"/>
+              <a:t>을 반영할 때의 </a:t>
+            </a:r>
+            <a:r>
+              <a:rPr lang="ko-KR" altLang="en-US" sz="1100" dirty="0" err="1"/>
+              <a:t>잠재량</a:t>
+            </a:r>
+            <a:endParaRPr lang="en-US" altLang="ko-KR" sz="1100" dirty="0"/>
+          </a:p>
+        </p:txBody>
+      </p:sp>
+      <p:sp>
+        <p:nvSpPr>
+          <p:cNvPr id="81" name="TextBox 80">
+            <a:extLst>
+              <a:ext uri="{FF2B5EF4-FFF2-40B4-BE49-F238E27FC236}">
+                <a16:creationId xmlns:a16="http://schemas.microsoft.com/office/drawing/2014/main" id="{56CC8DA1-3A6E-D8D4-365D-FA038A9BE33D}"/>
+              </a:ext>
+            </a:extLst>
+          </p:cNvPr>
+          <p:cNvSpPr txBox="1"/>
+          <p:nvPr/>
+        </p:nvSpPr>
+        <p:spPr>
+          <a:xfrm>
+            <a:off x="6326049" y="3281027"/>
+            <a:ext cx="2556871" cy="600164"/>
+          </a:xfrm>
+          <a:prstGeom prst="rect">
+            <a:avLst/>
+          </a:prstGeom>
+          <a:noFill/>
+        </p:spPr>
+        <p:txBody>
+          <a:bodyPr wrap="square">
+            <a:spAutoFit/>
+          </a:bodyPr>
+          <a:lstStyle/>
+          <a:p>
+            <a:pPr algn="ctr"/>
+            <a:r>
+              <a:rPr lang="ko-KR" altLang="en-US" sz="1100" u="sng" dirty="0"/>
+              <a:t>경제적 제약</a:t>
+            </a:r>
+            <a:r>
+              <a:rPr lang="ko-KR" altLang="en-US" sz="1100" dirty="0"/>
+              <a:t> </a:t>
+            </a:r>
+            <a:r>
+              <a:rPr lang="en-US" altLang="ko-KR" sz="1100" dirty="0"/>
+              <a:t>(</a:t>
+            </a:r>
+            <a:r>
+              <a:rPr lang="ko-KR" altLang="en-US" sz="1100" dirty="0"/>
+              <a:t>예</a:t>
+            </a:r>
+            <a:r>
+              <a:rPr lang="en-US" altLang="ko-KR" sz="1100" dirty="0"/>
+              <a:t>: </a:t>
+            </a:r>
+            <a:r>
+              <a:rPr lang="ko-KR" altLang="en-US" sz="1100" dirty="0"/>
+              <a:t>비용 경쟁력</a:t>
+            </a:r>
+            <a:r>
+              <a:rPr lang="en-US" altLang="ko-KR" sz="1100" dirty="0"/>
+              <a:t>),</a:t>
+            </a:r>
+          </a:p>
+          <a:p>
+            <a:pPr algn="ctr"/>
+            <a:r>
+              <a:rPr lang="ko-KR" altLang="en-US" sz="1100" u="sng" dirty="0"/>
+              <a:t>정책적 제약</a:t>
+            </a:r>
+            <a:r>
+              <a:rPr lang="ko-KR" altLang="en-US" sz="1100" dirty="0"/>
+              <a:t> </a:t>
+            </a:r>
+            <a:r>
+              <a:rPr lang="en-US" altLang="ko-KR" sz="1100" dirty="0"/>
+              <a:t>(</a:t>
+            </a:r>
+            <a:r>
+              <a:rPr lang="ko-KR" altLang="en-US" sz="1100" dirty="0"/>
+              <a:t>예</a:t>
+            </a:r>
+            <a:r>
+              <a:rPr lang="en-US" altLang="ko-KR" sz="1100" dirty="0"/>
+              <a:t>: </a:t>
+            </a:r>
+            <a:r>
+              <a:rPr lang="ko-KR" altLang="en-US" sz="1100" dirty="0"/>
+              <a:t>개발불가 지역</a:t>
+            </a:r>
+            <a:r>
+              <a:rPr lang="en-US" altLang="ko-KR" sz="1100" dirty="0"/>
+              <a:t>)</a:t>
+            </a:r>
+          </a:p>
+          <a:p>
+            <a:pPr algn="ctr"/>
+            <a:r>
+              <a:rPr lang="ko-KR" altLang="en-US" sz="1100" dirty="0"/>
+              <a:t>을 반영할 때의 </a:t>
+            </a:r>
+            <a:r>
+              <a:rPr lang="ko-KR" altLang="en-US" sz="1100" dirty="0" err="1"/>
+              <a:t>잠재량</a:t>
+            </a:r>
+            <a:endParaRPr lang="en-US" altLang="ko-KR" sz="1100" dirty="0"/>
+          </a:p>
+        </p:txBody>
+      </p:sp>
+      <p:sp>
+        <p:nvSpPr>
+          <p:cNvPr id="82" name="사각형: 둥근 모서리 81">
+            <a:extLst>
+              <a:ext uri="{FF2B5EF4-FFF2-40B4-BE49-F238E27FC236}">
+                <a16:creationId xmlns:a16="http://schemas.microsoft.com/office/drawing/2014/main" id="{2EECF003-EF3B-70E0-4E0A-B30FDF668B51}"/>
+              </a:ext>
+            </a:extLst>
+          </p:cNvPr>
+          <p:cNvSpPr/>
+          <p:nvPr/>
+        </p:nvSpPr>
+        <p:spPr>
+          <a:xfrm>
+            <a:off x="4179342" y="1952961"/>
+            <a:ext cx="309710" cy="270621"/>
+          </a:xfrm>
+          <a:prstGeom prst="roundRect">
+            <a:avLst/>
+          </a:prstGeom>
+          <a:noFill/>
+          <a:ln w="19050">
+            <a:prstDash val="sysDot"/>
+          </a:ln>
+        </p:spPr>
+        <p:style>
+          <a:lnRef idx="2">
+            <a:schemeClr val="accent1">
+              <a:shade val="15000"/>
+            </a:schemeClr>
+          </a:lnRef>
+          <a:fillRef idx="1">
+            <a:schemeClr val="accent1"/>
+          </a:fillRef>
+          <a:effectRef idx="0">
+            <a:schemeClr val="accent1"/>
+          </a:effectRef>
+          <a:fontRef idx="minor">
+            <a:schemeClr val="lt1"/>
+          </a:fontRef>
+        </p:style>
+        <p:txBody>
+          <a:bodyPr rtlCol="0" anchor="ctr"/>
+          <a:lstStyle/>
+          <a:p>
+            <a:pPr algn="ctr"/>
+            <a:endParaRPr lang="ko-KR" altLang="en-US"/>
+          </a:p>
+        </p:txBody>
+      </p:sp>
+      <p:sp>
+        <p:nvSpPr>
+          <p:cNvPr id="83" name="말풍선: 모서리가 둥근 사각형 82">
+            <a:extLst>
+              <a:ext uri="{FF2B5EF4-FFF2-40B4-BE49-F238E27FC236}">
+                <a16:creationId xmlns:a16="http://schemas.microsoft.com/office/drawing/2014/main" id="{8000B9EC-2D55-F44A-54C8-1F1634EAA544}"/>
+              </a:ext>
+            </a:extLst>
+          </p:cNvPr>
+          <p:cNvSpPr/>
+          <p:nvPr/>
+        </p:nvSpPr>
+        <p:spPr>
+          <a:xfrm>
+            <a:off x="2958266" y="1136951"/>
+            <a:ext cx="812381" cy="447111"/>
+          </a:xfrm>
+          <a:prstGeom prst="wedgeRoundRectCallout">
+            <a:avLst>
+              <a:gd name="adj1" fmla="val 103818"/>
+              <a:gd name="adj2" fmla="val 144246"/>
+              <a:gd name="adj3" fmla="val 16667"/>
+            </a:avLst>
+          </a:prstGeom>
+          <a:noFill/>
+        </p:spPr>
+        <p:style>
+          <a:lnRef idx="2">
+            <a:schemeClr val="accent1">
+              <a:shade val="15000"/>
+            </a:schemeClr>
+          </a:lnRef>
+          <a:fillRef idx="1">
+            <a:schemeClr val="accent1"/>
+          </a:fillRef>
+          <a:effectRef idx="0">
+            <a:schemeClr val="accent1"/>
+          </a:effectRef>
+          <a:fontRef idx="minor">
+            <a:schemeClr val="lt1"/>
+          </a:fontRef>
+        </p:style>
+        <p:txBody>
+          <a:bodyPr rtlCol="0" anchor="ctr"/>
+          <a:lstStyle/>
+          <a:p>
+            <a:pPr algn="ctr"/>
+            <a:r>
+              <a:rPr lang="ko-KR" altLang="en-US" sz="600" dirty="0">
+                <a:solidFill>
+                  <a:schemeClr val="tx1"/>
+                </a:solidFill>
+              </a:rPr>
+              <a:t>기술적으로</a:t>
+            </a:r>
+            <a:r>
+              <a:rPr lang="en-US" altLang="ko-KR" sz="600" dirty="0">
+                <a:solidFill>
+                  <a:schemeClr val="tx1"/>
+                </a:solidFill>
+              </a:rPr>
+              <a:t>, </a:t>
+            </a:r>
+            <a:r>
+              <a:rPr lang="ko-KR" altLang="en-US" sz="600" dirty="0">
+                <a:solidFill>
+                  <a:schemeClr val="tx1"/>
+                </a:solidFill>
+              </a:rPr>
+              <a:t>태양에너지를 활용하려면</a:t>
+            </a:r>
+            <a:r>
+              <a:rPr lang="en-US" altLang="ko-KR" sz="600" dirty="0">
+                <a:solidFill>
+                  <a:schemeClr val="tx1"/>
+                </a:solidFill>
+              </a:rPr>
+              <a:t> </a:t>
+            </a:r>
+            <a:r>
+              <a:rPr lang="ko-KR" altLang="en-US" sz="600" dirty="0">
+                <a:solidFill>
+                  <a:schemeClr val="tx1"/>
+                </a:solidFill>
+              </a:rPr>
+              <a:t>태양광 패널이 필요해요</a:t>
+            </a:r>
+            <a:r>
+              <a:rPr lang="en-US" altLang="ko-KR" sz="600" dirty="0">
+                <a:solidFill>
+                  <a:schemeClr val="tx1"/>
+                </a:solidFill>
+              </a:rPr>
+              <a:t>.</a:t>
+            </a:r>
+            <a:endParaRPr lang="ko-KR" altLang="en-US" dirty="0">
+              <a:solidFill>
+                <a:schemeClr val="tx1"/>
+              </a:solidFill>
+            </a:endParaRPr>
+          </a:p>
+        </p:txBody>
+      </p:sp>
+      <p:sp>
+        <p:nvSpPr>
+          <p:cNvPr id="84" name="사각형: 둥근 모서리 83">
+            <a:extLst>
+              <a:ext uri="{FF2B5EF4-FFF2-40B4-BE49-F238E27FC236}">
+                <a16:creationId xmlns:a16="http://schemas.microsoft.com/office/drawing/2014/main" id="{2CC1BD31-3EC8-E8CA-1A19-54B5D597941C}"/>
+              </a:ext>
+            </a:extLst>
+          </p:cNvPr>
+          <p:cNvSpPr/>
+          <p:nvPr/>
+        </p:nvSpPr>
+        <p:spPr>
+          <a:xfrm>
+            <a:off x="6982488" y="1985526"/>
+            <a:ext cx="488067" cy="219522"/>
+          </a:xfrm>
+          <a:prstGeom prst="roundRect">
+            <a:avLst/>
+          </a:prstGeom>
+          <a:noFill/>
+          <a:ln w="19050">
+            <a:prstDash val="sysDot"/>
+          </a:ln>
+        </p:spPr>
+        <p:style>
+          <a:lnRef idx="2">
+            <a:schemeClr val="accent1">
+              <a:shade val="15000"/>
+            </a:schemeClr>
+          </a:lnRef>
+          <a:fillRef idx="1">
+            <a:schemeClr val="accent1"/>
+          </a:fillRef>
+          <a:effectRef idx="0">
+            <a:schemeClr val="accent1"/>
+          </a:effectRef>
+          <a:fontRef idx="minor">
+            <a:schemeClr val="lt1"/>
+          </a:fontRef>
+        </p:style>
+        <p:txBody>
+          <a:bodyPr rtlCol="0" anchor="ctr"/>
+          <a:lstStyle/>
+          <a:p>
+            <a:pPr algn="ctr"/>
+            <a:endParaRPr lang="ko-KR" altLang="en-US"/>
+          </a:p>
+        </p:txBody>
+      </p:sp>
+      <p:sp>
+        <p:nvSpPr>
+          <p:cNvPr id="85" name="말풍선: 모서리가 둥근 사각형 84">
+            <a:extLst>
+              <a:ext uri="{FF2B5EF4-FFF2-40B4-BE49-F238E27FC236}">
+                <a16:creationId xmlns:a16="http://schemas.microsoft.com/office/drawing/2014/main" id="{BC2F5530-B132-9C33-2705-6859E30399D6}"/>
+              </a:ext>
+            </a:extLst>
+          </p:cNvPr>
+          <p:cNvSpPr/>
+          <p:nvPr/>
+        </p:nvSpPr>
+        <p:spPr>
+          <a:xfrm>
+            <a:off x="5970963" y="2389501"/>
+            <a:ext cx="939411" cy="497396"/>
+          </a:xfrm>
+          <a:prstGeom prst="wedgeRoundRectCallout">
+            <a:avLst>
+              <a:gd name="adj1" fmla="val 59097"/>
+              <a:gd name="adj2" fmla="val -79907"/>
+              <a:gd name="adj3" fmla="val 16667"/>
+            </a:avLst>
+          </a:prstGeom>
+          <a:noFill/>
+        </p:spPr>
+        <p:style>
+          <a:lnRef idx="2">
+            <a:schemeClr val="accent1">
+              <a:shade val="15000"/>
+            </a:schemeClr>
+          </a:lnRef>
+          <a:fillRef idx="1">
+            <a:schemeClr val="accent1"/>
+          </a:fillRef>
+          <a:effectRef idx="0">
+            <a:schemeClr val="accent1"/>
+          </a:effectRef>
+          <a:fontRef idx="minor">
+            <a:schemeClr val="lt1"/>
+          </a:fontRef>
+        </p:style>
+        <p:txBody>
+          <a:bodyPr rtlCol="0" anchor="ctr"/>
+          <a:lstStyle/>
+          <a:p>
+            <a:pPr algn="ctr"/>
+            <a:r>
+              <a:rPr lang="ko-KR" altLang="en-US" sz="600" dirty="0">
+                <a:solidFill>
+                  <a:schemeClr val="tx1"/>
+                </a:solidFill>
+              </a:rPr>
+              <a:t>설치 비용이 많이 드는데</a:t>
+            </a:r>
+            <a:r>
+              <a:rPr lang="en-US" altLang="ko-KR" sz="600" dirty="0">
+                <a:solidFill>
+                  <a:schemeClr val="tx1"/>
+                </a:solidFill>
+              </a:rPr>
+              <a:t> </a:t>
+            </a:r>
+            <a:r>
+              <a:rPr lang="ko-KR" altLang="en-US" sz="600" dirty="0">
+                <a:solidFill>
+                  <a:schemeClr val="tx1"/>
+                </a:solidFill>
+              </a:rPr>
+              <a:t>전기 생산이 적다면 오히려 손해라서</a:t>
+            </a:r>
+            <a:r>
+              <a:rPr lang="en-US" altLang="ko-KR" sz="600" dirty="0">
+                <a:solidFill>
+                  <a:schemeClr val="tx1"/>
+                </a:solidFill>
+              </a:rPr>
+              <a:t>, </a:t>
+            </a:r>
+            <a:r>
+              <a:rPr lang="ko-KR" altLang="en-US" sz="600" dirty="0">
+                <a:solidFill>
+                  <a:schemeClr val="tx1"/>
+                </a:solidFill>
+              </a:rPr>
+              <a:t>설치하지 </a:t>
+            </a:r>
+            <a:r>
+              <a:rPr lang="ko-KR" altLang="en-US" sz="600" dirty="0" err="1">
+                <a:solidFill>
+                  <a:schemeClr val="tx1"/>
+                </a:solidFill>
+              </a:rPr>
+              <a:t>않는게</a:t>
+            </a:r>
+            <a:r>
+              <a:rPr lang="ko-KR" altLang="en-US" sz="600" dirty="0">
+                <a:solidFill>
+                  <a:schemeClr val="tx1"/>
+                </a:solidFill>
+              </a:rPr>
+              <a:t> 나을 수 있어요</a:t>
+            </a:r>
+            <a:r>
+              <a:rPr lang="en-US" altLang="ko-KR" sz="600" dirty="0">
+                <a:solidFill>
+                  <a:schemeClr val="tx1"/>
+                </a:solidFill>
+              </a:rPr>
+              <a:t>.</a:t>
+            </a:r>
+            <a:endParaRPr lang="ko-KR" altLang="en-US" dirty="0">
+              <a:solidFill>
+                <a:schemeClr val="tx1"/>
+              </a:solidFill>
+            </a:endParaRPr>
+          </a:p>
+        </p:txBody>
+      </p:sp>
+      <p:sp>
+        <p:nvSpPr>
+          <p:cNvPr id="86" name="사각형: 둥근 모서리 85">
+            <a:extLst>
+              <a:ext uri="{FF2B5EF4-FFF2-40B4-BE49-F238E27FC236}">
+                <a16:creationId xmlns:a16="http://schemas.microsoft.com/office/drawing/2014/main" id="{70F4F776-77EF-D3B5-F87E-AFF93F8A160A}"/>
+              </a:ext>
+            </a:extLst>
+          </p:cNvPr>
+          <p:cNvSpPr/>
+          <p:nvPr/>
+        </p:nvSpPr>
+        <p:spPr>
+          <a:xfrm>
+            <a:off x="7897477" y="2564864"/>
+            <a:ext cx="488067" cy="219522"/>
+          </a:xfrm>
+          <a:prstGeom prst="roundRect">
+            <a:avLst/>
+          </a:prstGeom>
+          <a:noFill/>
+          <a:ln w="19050">
+            <a:prstDash val="sysDot"/>
+          </a:ln>
+        </p:spPr>
+        <p:style>
+          <a:lnRef idx="2">
+            <a:schemeClr val="accent1">
+              <a:shade val="15000"/>
+            </a:schemeClr>
+          </a:lnRef>
+          <a:fillRef idx="1">
+            <a:schemeClr val="accent1"/>
+          </a:fillRef>
+          <a:effectRef idx="0">
+            <a:schemeClr val="accent1"/>
+          </a:effectRef>
+          <a:fontRef idx="minor">
+            <a:schemeClr val="lt1"/>
+          </a:fontRef>
+        </p:style>
+        <p:txBody>
+          <a:bodyPr rtlCol="0" anchor="ctr"/>
+          <a:lstStyle/>
+          <a:p>
+            <a:pPr algn="ctr"/>
+            <a:endParaRPr lang="ko-KR" altLang="en-US"/>
+          </a:p>
+        </p:txBody>
+      </p:sp>
+      <p:sp>
+        <p:nvSpPr>
+          <p:cNvPr id="87" name="말풍선: 모서리가 둥근 사각형 86">
+            <a:extLst>
+              <a:ext uri="{FF2B5EF4-FFF2-40B4-BE49-F238E27FC236}">
+                <a16:creationId xmlns:a16="http://schemas.microsoft.com/office/drawing/2014/main" id="{22967B85-BD34-D4C1-47B3-DF9F03F0FD2B}"/>
+              </a:ext>
+            </a:extLst>
+          </p:cNvPr>
+          <p:cNvSpPr/>
+          <p:nvPr/>
+        </p:nvSpPr>
+        <p:spPr>
+          <a:xfrm>
+            <a:off x="8602406" y="2180324"/>
+            <a:ext cx="805338" cy="447572"/>
+          </a:xfrm>
+          <a:prstGeom prst="wedgeRoundRectCallout">
+            <a:avLst>
+              <a:gd name="adj1" fmla="val -75308"/>
+              <a:gd name="adj2" fmla="val 45549"/>
+              <a:gd name="adj3" fmla="val 16667"/>
+            </a:avLst>
+          </a:prstGeom>
+          <a:noFill/>
+        </p:spPr>
+        <p:style>
+          <a:lnRef idx="2">
+            <a:schemeClr val="accent1">
+              <a:shade val="15000"/>
+            </a:schemeClr>
+          </a:lnRef>
+          <a:fillRef idx="1">
+            <a:schemeClr val="accent1"/>
+          </a:fillRef>
+          <a:effectRef idx="0">
+            <a:schemeClr val="accent1"/>
+          </a:effectRef>
+          <a:fontRef idx="minor">
+            <a:schemeClr val="lt1"/>
+          </a:fontRef>
+        </p:style>
+        <p:txBody>
+          <a:bodyPr rtlCol="0" anchor="ctr"/>
+          <a:lstStyle/>
+          <a:p>
+            <a:pPr algn="ctr"/>
+            <a:r>
+              <a:rPr lang="ko-KR" altLang="en-US" sz="600" dirty="0">
+                <a:solidFill>
+                  <a:schemeClr val="tx1"/>
+                </a:solidFill>
+              </a:rPr>
+              <a:t>희귀한 동식물이 사는 지역에는 패널 설치가 정책적으로 불가능해요</a:t>
+            </a:r>
+            <a:r>
+              <a:rPr lang="en-US" altLang="ko-KR" sz="600" dirty="0">
+                <a:solidFill>
+                  <a:schemeClr val="tx1"/>
+                </a:solidFill>
+              </a:rPr>
+              <a:t>.</a:t>
+            </a:r>
+            <a:endParaRPr lang="ko-KR" altLang="en-US" dirty="0">
+              <a:solidFill>
+                <a:schemeClr val="tx1"/>
+              </a:solidFill>
+            </a:endParaRPr>
+          </a:p>
+        </p:txBody>
+      </p:sp>
+      <p:sp>
+        <p:nvSpPr>
+          <p:cNvPr id="88" name="말풍선: 모서리가 둥근 사각형 87">
+            <a:extLst>
+              <a:ext uri="{FF2B5EF4-FFF2-40B4-BE49-F238E27FC236}">
+                <a16:creationId xmlns:a16="http://schemas.microsoft.com/office/drawing/2014/main" id="{1434945D-7402-B7D7-8D3C-946D51CD0E32}"/>
+              </a:ext>
+            </a:extLst>
+          </p:cNvPr>
+          <p:cNvSpPr/>
+          <p:nvPr/>
+        </p:nvSpPr>
+        <p:spPr>
+          <a:xfrm>
+            <a:off x="1667290" y="416879"/>
+            <a:ext cx="1473164" cy="447111"/>
+          </a:xfrm>
+          <a:prstGeom prst="wedgeRoundRectCallout">
+            <a:avLst>
+              <a:gd name="adj1" fmla="val -22667"/>
+              <a:gd name="adj2" fmla="val 75154"/>
+              <a:gd name="adj3" fmla="val 16667"/>
+            </a:avLst>
+          </a:prstGeom>
+          <a:noFill/>
+        </p:spPr>
+        <p:style>
+          <a:lnRef idx="2">
+            <a:schemeClr val="accent1">
+              <a:shade val="15000"/>
+            </a:schemeClr>
+          </a:lnRef>
+          <a:fillRef idx="1">
+            <a:schemeClr val="accent1"/>
+          </a:fillRef>
+          <a:effectRef idx="0">
+            <a:schemeClr val="accent1"/>
+          </a:effectRef>
+          <a:fontRef idx="minor">
+            <a:schemeClr val="lt1"/>
+          </a:fontRef>
+        </p:style>
+        <p:txBody>
+          <a:bodyPr rtlCol="0" anchor="ctr"/>
+          <a:lstStyle/>
+          <a:p>
+            <a:pPr algn="ctr"/>
+            <a:r>
+              <a:rPr lang="ko-KR" altLang="en-US" sz="600" dirty="0">
+                <a:solidFill>
+                  <a:schemeClr val="tx1"/>
+                </a:solidFill>
+              </a:rPr>
+              <a:t>이론적으로</a:t>
+            </a:r>
+            <a:r>
+              <a:rPr lang="en-US" altLang="ko-KR" sz="600" dirty="0">
+                <a:solidFill>
+                  <a:schemeClr val="tx1"/>
+                </a:solidFill>
+              </a:rPr>
+              <a:t>, </a:t>
+            </a:r>
+            <a:r>
+              <a:rPr lang="ko-KR" altLang="en-US" sz="600" dirty="0">
+                <a:solidFill>
+                  <a:schemeClr val="tx1"/>
+                </a:solidFill>
+              </a:rPr>
+              <a:t>태양에서 오는 에너지를</a:t>
+            </a:r>
+            <a:r>
+              <a:rPr lang="en-US" altLang="ko-KR" sz="600" dirty="0">
+                <a:solidFill>
+                  <a:schemeClr val="tx1"/>
+                </a:solidFill>
+              </a:rPr>
+              <a:t>100% </a:t>
+            </a:r>
+            <a:r>
+              <a:rPr lang="ko-KR" altLang="en-US" sz="600" dirty="0">
+                <a:solidFill>
+                  <a:schemeClr val="tx1"/>
+                </a:solidFill>
+              </a:rPr>
+              <a:t>활용할 수 있다고 가정할 때의</a:t>
+            </a:r>
+            <a:endParaRPr lang="en-US" altLang="ko-KR" sz="600" dirty="0">
+              <a:solidFill>
+                <a:schemeClr val="tx1"/>
+              </a:solidFill>
+            </a:endParaRPr>
+          </a:p>
+          <a:p>
+            <a:pPr algn="ctr"/>
+            <a:r>
+              <a:rPr lang="ko-KR" altLang="en-US" sz="600" dirty="0">
+                <a:solidFill>
+                  <a:schemeClr val="tx1"/>
+                </a:solidFill>
+              </a:rPr>
+              <a:t>잠재량을 말해요</a:t>
+            </a:r>
+            <a:r>
+              <a:rPr lang="en-US" altLang="ko-KR" sz="600" dirty="0">
+                <a:solidFill>
+                  <a:schemeClr val="tx1"/>
+                </a:solidFill>
+              </a:rPr>
+              <a:t>.</a:t>
+            </a:r>
+          </a:p>
+          <a:p>
+            <a:pPr algn="ctr"/>
+            <a:r>
+              <a:rPr lang="ko-KR" altLang="en-US" sz="600" dirty="0">
+                <a:solidFill>
+                  <a:schemeClr val="tx1"/>
+                </a:solidFill>
+              </a:rPr>
+              <a:t>하지만 현실에서는 고려 해야 할 측면이 너무 많죠</a:t>
+            </a:r>
+            <a:r>
+              <a:rPr lang="en-US" altLang="ko-KR" sz="600" dirty="0">
+                <a:solidFill>
+                  <a:schemeClr val="tx1"/>
+                </a:solidFill>
+              </a:rPr>
+              <a:t>.</a:t>
+            </a:r>
+            <a:endParaRPr lang="ko-KR" altLang="en-US" dirty="0">
+              <a:solidFill>
+                <a:schemeClr val="tx1"/>
+              </a:solidFill>
+            </a:endParaRPr>
+          </a:p>
+        </p:txBody>
+      </p:sp>
+      <p:pic>
+        <p:nvPicPr>
+          <p:cNvPr id="102" name="그림 101">
+            <a:extLst>
+              <a:ext uri="{FF2B5EF4-FFF2-40B4-BE49-F238E27FC236}">
+                <a16:creationId xmlns:a16="http://schemas.microsoft.com/office/drawing/2014/main" id="{3F2E85AE-B4C2-D1B6-4561-7136D4D748D6}"/>
+              </a:ext>
+            </a:extLst>
+          </p:cNvPr>
+          <p:cNvPicPr>
+            <a:picLocks noChangeAspect="1"/>
+          </p:cNvPicPr>
+          <p:nvPr/>
+        </p:nvPicPr>
+        <p:blipFill>
+          <a:blip r:embed="rId4"/>
+          <a:srcRect r="1463"/>
+          <a:stretch/>
+        </p:blipFill>
+        <p:spPr>
+          <a:xfrm>
+            <a:off x="3286441" y="4920365"/>
+            <a:ext cx="272888" cy="276940"/>
+          </a:xfrm>
+          <a:prstGeom prst="rect">
+            <a:avLst/>
+          </a:prstGeom>
+        </p:spPr>
+      </p:pic>
+      <p:pic>
+        <p:nvPicPr>
+          <p:cNvPr id="103" name="그림 102">
+            <a:extLst>
+              <a:ext uri="{FF2B5EF4-FFF2-40B4-BE49-F238E27FC236}">
+                <a16:creationId xmlns:a16="http://schemas.microsoft.com/office/drawing/2014/main" id="{7667826D-AE7A-2489-866D-DDA45358DE77}"/>
+              </a:ext>
+            </a:extLst>
+          </p:cNvPr>
+          <p:cNvPicPr>
+            <a:picLocks noChangeAspect="1"/>
+          </p:cNvPicPr>
+          <p:nvPr/>
+        </p:nvPicPr>
+        <p:blipFill>
+          <a:blip r:embed="rId17"/>
+          <a:stretch>
+            <a:fillRect/>
+          </a:stretch>
+        </p:blipFill>
+        <p:spPr>
+          <a:xfrm>
+            <a:off x="4642543" y="5006477"/>
+            <a:ext cx="130478" cy="109963"/>
+          </a:xfrm>
+          <a:prstGeom prst="rect">
+            <a:avLst/>
+          </a:prstGeom>
+        </p:spPr>
+      </p:pic>
+      <p:pic>
+        <p:nvPicPr>
+          <p:cNvPr id="104" name="그림 103">
+            <a:extLst>
+              <a:ext uri="{FF2B5EF4-FFF2-40B4-BE49-F238E27FC236}">
+                <a16:creationId xmlns:a16="http://schemas.microsoft.com/office/drawing/2014/main" id="{964D82BF-EEE7-1C59-2A80-9C43051CE5D6}"/>
+              </a:ext>
+            </a:extLst>
+          </p:cNvPr>
+          <p:cNvPicPr>
+            <a:picLocks noChangeAspect="1"/>
+          </p:cNvPicPr>
+          <p:nvPr/>
+        </p:nvPicPr>
+        <p:blipFill>
+          <a:blip r:embed="rId17"/>
+          <a:stretch>
+            <a:fillRect/>
+          </a:stretch>
+        </p:blipFill>
+        <p:spPr>
+          <a:xfrm>
+            <a:off x="4793180" y="5006477"/>
+            <a:ext cx="130478" cy="109963"/>
+          </a:xfrm>
+          <a:prstGeom prst="rect">
+            <a:avLst/>
+          </a:prstGeom>
+        </p:spPr>
+      </p:pic>
+      <p:pic>
+        <p:nvPicPr>
+          <p:cNvPr id="105" name="그림 104">
+            <a:extLst>
+              <a:ext uri="{FF2B5EF4-FFF2-40B4-BE49-F238E27FC236}">
+                <a16:creationId xmlns:a16="http://schemas.microsoft.com/office/drawing/2014/main" id="{87EE66AB-BE04-3151-06A4-72B715960007}"/>
+              </a:ext>
+            </a:extLst>
+          </p:cNvPr>
+          <p:cNvPicPr>
+            <a:picLocks noChangeAspect="1"/>
+          </p:cNvPicPr>
+          <p:nvPr/>
+        </p:nvPicPr>
+        <p:blipFill>
+          <a:blip r:embed="rId17"/>
+          <a:stretch>
+            <a:fillRect/>
+          </a:stretch>
+        </p:blipFill>
+        <p:spPr>
+          <a:xfrm>
+            <a:off x="4943817" y="5006477"/>
+            <a:ext cx="130478" cy="109963"/>
+          </a:xfrm>
+          <a:prstGeom prst="rect">
+            <a:avLst/>
+          </a:prstGeom>
+        </p:spPr>
+      </p:pic>
+      <p:pic>
+        <p:nvPicPr>
+          <p:cNvPr id="106" name="그림 105">
+            <a:extLst>
+              <a:ext uri="{FF2B5EF4-FFF2-40B4-BE49-F238E27FC236}">
+                <a16:creationId xmlns:a16="http://schemas.microsoft.com/office/drawing/2014/main" id="{5E09A10A-E6B0-944B-7FE4-B72FCE565979}"/>
+              </a:ext>
+            </a:extLst>
+          </p:cNvPr>
+          <p:cNvPicPr>
+            <a:picLocks noChangeAspect="1"/>
+          </p:cNvPicPr>
+          <p:nvPr/>
+        </p:nvPicPr>
+        <p:blipFill>
+          <a:blip r:embed="rId17"/>
+          <a:stretch>
+            <a:fillRect/>
+          </a:stretch>
+        </p:blipFill>
+        <p:spPr>
+          <a:xfrm>
+            <a:off x="5089496" y="5006477"/>
+            <a:ext cx="130478" cy="109963"/>
+          </a:xfrm>
+          <a:prstGeom prst="rect">
+            <a:avLst/>
+          </a:prstGeom>
+        </p:spPr>
+      </p:pic>
+      <p:pic>
+        <p:nvPicPr>
+          <p:cNvPr id="107" name="그림 106">
+            <a:extLst>
+              <a:ext uri="{FF2B5EF4-FFF2-40B4-BE49-F238E27FC236}">
+                <a16:creationId xmlns:a16="http://schemas.microsoft.com/office/drawing/2014/main" id="{D5BA23C7-EF14-1A28-8F22-8DA8997445DC}"/>
+              </a:ext>
+            </a:extLst>
+          </p:cNvPr>
+          <p:cNvPicPr>
+            <a:picLocks noChangeAspect="1"/>
+          </p:cNvPicPr>
+          <p:nvPr/>
+        </p:nvPicPr>
+        <p:blipFill>
+          <a:blip r:embed="rId17"/>
+          <a:stretch>
+            <a:fillRect/>
+          </a:stretch>
+        </p:blipFill>
+        <p:spPr>
+          <a:xfrm>
+            <a:off x="5235175" y="5006477"/>
+            <a:ext cx="130478" cy="109963"/>
+          </a:xfrm>
+          <a:prstGeom prst="rect">
+            <a:avLst/>
+          </a:prstGeom>
+        </p:spPr>
+      </p:pic>
+      <p:pic>
+        <p:nvPicPr>
+          <p:cNvPr id="108" name="그림 107">
+            <a:extLst>
+              <a:ext uri="{FF2B5EF4-FFF2-40B4-BE49-F238E27FC236}">
+                <a16:creationId xmlns:a16="http://schemas.microsoft.com/office/drawing/2014/main" id="{C00B190B-8DE6-7115-10E5-63845505A29B}"/>
+              </a:ext>
+            </a:extLst>
+          </p:cNvPr>
+          <p:cNvPicPr>
+            <a:picLocks noChangeAspect="1"/>
+          </p:cNvPicPr>
+          <p:nvPr/>
+        </p:nvPicPr>
+        <p:blipFill>
+          <a:blip r:embed="rId17"/>
+          <a:stretch>
+            <a:fillRect/>
+          </a:stretch>
+        </p:blipFill>
+        <p:spPr>
+          <a:xfrm>
+            <a:off x="6402090" y="5006477"/>
+            <a:ext cx="130478" cy="109963"/>
+          </a:xfrm>
+          <a:prstGeom prst="rect">
+            <a:avLst/>
+          </a:prstGeom>
+        </p:spPr>
+      </p:pic>
+      <p:pic>
+        <p:nvPicPr>
+          <p:cNvPr id="109" name="그림 108">
+            <a:extLst>
+              <a:ext uri="{FF2B5EF4-FFF2-40B4-BE49-F238E27FC236}">
+                <a16:creationId xmlns:a16="http://schemas.microsoft.com/office/drawing/2014/main" id="{D97B1384-E014-8A0C-672F-30BA97EBEC63}"/>
+              </a:ext>
+            </a:extLst>
+          </p:cNvPr>
+          <p:cNvPicPr>
+            <a:picLocks noChangeAspect="1"/>
+          </p:cNvPicPr>
+          <p:nvPr/>
+        </p:nvPicPr>
+        <p:blipFill>
+          <a:blip r:embed="rId17"/>
+          <a:stretch>
+            <a:fillRect/>
+          </a:stretch>
+        </p:blipFill>
+        <p:spPr>
+          <a:xfrm>
+            <a:off x="6552727" y="5006477"/>
+            <a:ext cx="130478" cy="109963"/>
+          </a:xfrm>
+          <a:prstGeom prst="rect">
+            <a:avLst/>
+          </a:prstGeom>
+        </p:spPr>
+      </p:pic>
+      <p:sp>
+        <p:nvSpPr>
+          <p:cNvPr id="110" name="TextBox 109">
+            <a:extLst>
+              <a:ext uri="{FF2B5EF4-FFF2-40B4-BE49-F238E27FC236}">
+                <a16:creationId xmlns:a16="http://schemas.microsoft.com/office/drawing/2014/main" id="{F20AE387-5BD4-D572-5AAE-9B02E7FF79AE}"/>
+              </a:ext>
+            </a:extLst>
+          </p:cNvPr>
+          <p:cNvSpPr txBox="1"/>
+          <p:nvPr/>
+        </p:nvSpPr>
+        <p:spPr>
+          <a:xfrm>
+            <a:off x="2231354" y="4601594"/>
+            <a:ext cx="2359112" cy="261610"/>
+          </a:xfrm>
+          <a:prstGeom prst="rect">
+            <a:avLst/>
+          </a:prstGeom>
+          <a:noFill/>
+        </p:spPr>
+        <p:txBody>
+          <a:bodyPr wrap="square">
+            <a:spAutoFit/>
+          </a:bodyPr>
+          <a:lstStyle/>
+          <a:p>
+            <a:pPr algn="ctr"/>
+            <a:r>
+              <a:rPr lang="ko-KR" altLang="en-US" sz="1050" b="1" dirty="0"/>
+              <a:t>이론적 </a:t>
+            </a:r>
+            <a:r>
+              <a:rPr lang="ko-KR" altLang="en-US" sz="1050" b="1" dirty="0" err="1"/>
+              <a:t>잠재량</a:t>
+            </a:r>
+            <a:endParaRPr lang="en-US" altLang="ko-KR" sz="1050" b="1" dirty="0"/>
+          </a:p>
+        </p:txBody>
+      </p:sp>
+      <p:sp>
+        <p:nvSpPr>
+          <p:cNvPr id="111" name="TextBox 110">
+            <a:extLst>
+              <a:ext uri="{FF2B5EF4-FFF2-40B4-BE49-F238E27FC236}">
+                <a16:creationId xmlns:a16="http://schemas.microsoft.com/office/drawing/2014/main" id="{8B82D705-23E4-572D-5C7F-14507CFC01BD}"/>
+              </a:ext>
+            </a:extLst>
+          </p:cNvPr>
+          <p:cNvSpPr txBox="1"/>
+          <p:nvPr/>
+        </p:nvSpPr>
+        <p:spPr>
+          <a:xfrm>
+            <a:off x="3837704" y="4583493"/>
+            <a:ext cx="2359112" cy="261610"/>
+          </a:xfrm>
+          <a:prstGeom prst="rect">
+            <a:avLst/>
+          </a:prstGeom>
+          <a:noFill/>
+        </p:spPr>
+        <p:txBody>
+          <a:bodyPr wrap="square">
+            <a:spAutoFit/>
+          </a:bodyPr>
+          <a:lstStyle/>
+          <a:p>
+            <a:pPr algn="ctr"/>
+            <a:r>
+              <a:rPr lang="ko-KR" altLang="en-US" sz="1050" b="1" dirty="0"/>
+              <a:t>기술적 </a:t>
+            </a:r>
+            <a:r>
+              <a:rPr lang="ko-KR" altLang="en-US" sz="1050" b="1" dirty="0" err="1"/>
+              <a:t>잠재량</a:t>
+            </a:r>
+            <a:endParaRPr lang="en-US" altLang="ko-KR" sz="1050" b="1" dirty="0"/>
+          </a:p>
+        </p:txBody>
+      </p:sp>
+      <p:sp>
+        <p:nvSpPr>
+          <p:cNvPr id="112" name="TextBox 111">
+            <a:extLst>
+              <a:ext uri="{FF2B5EF4-FFF2-40B4-BE49-F238E27FC236}">
+                <a16:creationId xmlns:a16="http://schemas.microsoft.com/office/drawing/2014/main" id="{394E9BD8-1819-28E9-C89F-B4AD30E0B9D3}"/>
+              </a:ext>
+            </a:extLst>
+          </p:cNvPr>
+          <p:cNvSpPr txBox="1"/>
+          <p:nvPr/>
+        </p:nvSpPr>
+        <p:spPr>
+          <a:xfrm>
+            <a:off x="5373551" y="4601594"/>
+            <a:ext cx="2359112" cy="261610"/>
+          </a:xfrm>
+          <a:prstGeom prst="rect">
+            <a:avLst/>
+          </a:prstGeom>
+          <a:noFill/>
+        </p:spPr>
+        <p:txBody>
+          <a:bodyPr wrap="square">
+            <a:spAutoFit/>
+          </a:bodyPr>
+          <a:lstStyle/>
+          <a:p>
+            <a:pPr algn="ctr"/>
+            <a:r>
+              <a:rPr lang="ko-KR" altLang="en-US" sz="1050" b="1" dirty="0"/>
+              <a:t>시장 </a:t>
+            </a:r>
+            <a:r>
+              <a:rPr lang="ko-KR" altLang="en-US" sz="1050" b="1" dirty="0" err="1"/>
+              <a:t>잠재량</a:t>
+            </a:r>
+            <a:endParaRPr lang="en-US" altLang="ko-KR" sz="1050" b="1" dirty="0"/>
+          </a:p>
+        </p:txBody>
+      </p:sp>
+      <p:pic>
+        <p:nvPicPr>
+          <p:cNvPr id="114" name="그림 113">
+            <a:extLst>
+              <a:ext uri="{FF2B5EF4-FFF2-40B4-BE49-F238E27FC236}">
+                <a16:creationId xmlns:a16="http://schemas.microsoft.com/office/drawing/2014/main" id="{00BA19DC-138E-05E2-E537-9A37A274ACB0}"/>
+              </a:ext>
+            </a:extLst>
+          </p:cNvPr>
+          <p:cNvPicPr>
+            <a:picLocks noChangeAspect="1"/>
+          </p:cNvPicPr>
+          <p:nvPr/>
+        </p:nvPicPr>
+        <p:blipFill>
+          <a:blip r:embed="rId22"/>
+          <a:stretch>
+            <a:fillRect/>
+          </a:stretch>
+        </p:blipFill>
+        <p:spPr>
+          <a:xfrm>
+            <a:off x="4073024" y="4461115"/>
+            <a:ext cx="374849" cy="736190"/>
+          </a:xfrm>
+          <a:prstGeom prst="rect">
+            <a:avLst/>
+          </a:prstGeom>
+        </p:spPr>
+      </p:pic>
+      <p:pic>
+        <p:nvPicPr>
+          <p:cNvPr id="115" name="그림 114">
+            <a:extLst>
+              <a:ext uri="{FF2B5EF4-FFF2-40B4-BE49-F238E27FC236}">
+                <a16:creationId xmlns:a16="http://schemas.microsoft.com/office/drawing/2014/main" id="{C58D0F61-51AB-2611-00A5-6631600237AE}"/>
+              </a:ext>
+            </a:extLst>
+          </p:cNvPr>
+          <p:cNvPicPr>
+            <a:picLocks noChangeAspect="1"/>
+          </p:cNvPicPr>
+          <p:nvPr/>
+        </p:nvPicPr>
+        <p:blipFill>
+          <a:blip r:embed="rId22"/>
+          <a:stretch>
+            <a:fillRect/>
+          </a:stretch>
+        </p:blipFill>
+        <p:spPr>
+          <a:xfrm>
+            <a:off x="5698758" y="4461115"/>
+            <a:ext cx="374849" cy="736190"/>
           </a:xfrm>
           <a:prstGeom prst="rect">
             <a:avLst/>
